--- a/presentation/中間発表_20180526.pptx
+++ b/presentation/中間発表_20180526.pptx
@@ -216,7 +216,7 @@
           <a:p>
             <a:fld id="{6398810B-62FF-9D46-A7C5-1DEE63A740FF}" type="datetimeFigureOut">
               <a:rPr kumimoji="1" lang="ja-JP" altLang="en-US" smtClean="0"/>
-              <a:t>2018/5/25</a:t>
+              <a:t>2018/5/26</a:t>
             </a:fld>
             <a:endParaRPr kumimoji="1" lang="ja-JP" altLang="en-US"/>
           </a:p>
@@ -753,7 +753,7 @@
           <a:p>
             <a:fld id="{E90ED720-0104-4369-84BC-D37694168613}" type="datetimeFigureOut">
               <a:rPr kumimoji="1" lang="ja-JP" altLang="en-US" smtClean="0"/>
-              <a:t>2018/5/25</a:t>
+              <a:t>2018/5/26</a:t>
             </a:fld>
             <a:endParaRPr kumimoji="1" lang="ja-JP" altLang="en-US"/>
           </a:p>
@@ -948,7 +948,7 @@
           <a:p>
             <a:fld id="{E90ED720-0104-4369-84BC-D37694168613}" type="datetimeFigureOut">
               <a:rPr kumimoji="1" lang="ja-JP" altLang="en-US" smtClean="0"/>
-              <a:t>2018/5/25</a:t>
+              <a:t>2018/5/26</a:t>
             </a:fld>
             <a:endParaRPr kumimoji="1" lang="ja-JP" altLang="en-US"/>
           </a:p>
@@ -1153,7 +1153,7 @@
           <a:p>
             <a:fld id="{E90ED720-0104-4369-84BC-D37694168613}" type="datetimeFigureOut">
               <a:rPr kumimoji="1" lang="ja-JP" altLang="en-US" smtClean="0"/>
-              <a:t>2018/5/25</a:t>
+              <a:t>2018/5/26</a:t>
             </a:fld>
             <a:endParaRPr kumimoji="1" lang="ja-JP" altLang="en-US"/>
           </a:p>
@@ -1348,7 +1348,7 @@
           <a:p>
             <a:fld id="{E90ED720-0104-4369-84BC-D37694168613}" type="datetimeFigureOut">
               <a:rPr kumimoji="1" lang="ja-JP" altLang="en-US" smtClean="0"/>
-              <a:t>2018/5/25</a:t>
+              <a:t>2018/5/26</a:t>
             </a:fld>
             <a:endParaRPr kumimoji="1" lang="ja-JP" altLang="en-US"/>
           </a:p>
@@ -1588,7 +1588,7 @@
           <a:p>
             <a:fld id="{E90ED720-0104-4369-84BC-D37694168613}" type="datetimeFigureOut">
               <a:rPr kumimoji="1" lang="ja-JP" altLang="en-US" smtClean="0"/>
-              <a:t>2018/5/25</a:t>
+              <a:t>2018/5/26</a:t>
             </a:fld>
             <a:endParaRPr kumimoji="1" lang="ja-JP" altLang="en-US"/>
           </a:p>
@@ -1932,7 +1932,7 @@
           <a:p>
             <a:fld id="{E90ED720-0104-4369-84BC-D37694168613}" type="datetimeFigureOut">
               <a:rPr kumimoji="1" lang="ja-JP" altLang="en-US" smtClean="0"/>
-              <a:t>2018/5/25</a:t>
+              <a:t>2018/5/26</a:t>
             </a:fld>
             <a:endParaRPr kumimoji="1" lang="ja-JP" altLang="en-US"/>
           </a:p>
@@ -2410,7 +2410,7 @@
           <a:p>
             <a:fld id="{E90ED720-0104-4369-84BC-D37694168613}" type="datetimeFigureOut">
               <a:rPr kumimoji="1" lang="ja-JP" altLang="en-US" smtClean="0"/>
-              <a:t>2018/5/25</a:t>
+              <a:t>2018/5/26</a:t>
             </a:fld>
             <a:endParaRPr kumimoji="1" lang="ja-JP" altLang="en-US"/>
           </a:p>
@@ -2522,7 +2522,7 @@
           <a:p>
             <a:fld id="{E90ED720-0104-4369-84BC-D37694168613}" type="datetimeFigureOut">
               <a:rPr kumimoji="1" lang="ja-JP" altLang="en-US" smtClean="0"/>
-              <a:t>2018/5/25</a:t>
+              <a:t>2018/5/26</a:t>
             </a:fld>
             <a:endParaRPr kumimoji="1" lang="ja-JP" altLang="en-US"/>
           </a:p>
@@ -2612,7 +2612,7 @@
           <a:p>
             <a:fld id="{E90ED720-0104-4369-84BC-D37694168613}" type="datetimeFigureOut">
               <a:rPr kumimoji="1" lang="ja-JP" altLang="en-US" smtClean="0"/>
-              <a:t>2018/5/25</a:t>
+              <a:t>2018/5/26</a:t>
             </a:fld>
             <a:endParaRPr kumimoji="1" lang="ja-JP" altLang="en-US"/>
           </a:p>
@@ -2914,7 +2914,7 @@
           <a:p>
             <a:fld id="{E90ED720-0104-4369-84BC-D37694168613}" type="datetimeFigureOut">
               <a:rPr kumimoji="1" lang="ja-JP" altLang="en-US" smtClean="0"/>
-              <a:t>2018/5/25</a:t>
+              <a:t>2018/5/26</a:t>
             </a:fld>
             <a:endParaRPr kumimoji="1" lang="ja-JP" altLang="en-US"/>
           </a:p>
@@ -3161,7 +3161,7 @@
           <a:p>
             <a:fld id="{E90ED720-0104-4369-84BC-D37694168613}" type="datetimeFigureOut">
               <a:rPr kumimoji="1" lang="ja-JP" altLang="en-US" smtClean="0"/>
-              <a:t>2018/5/25</a:t>
+              <a:t>2018/5/26</a:t>
             </a:fld>
             <a:endParaRPr kumimoji="1" lang="ja-JP" altLang="en-US"/>
           </a:p>
@@ -3399,7 +3399,7 @@
           <a:p>
             <a:fld id="{E90ED720-0104-4369-84BC-D37694168613}" type="datetimeFigureOut">
               <a:rPr kumimoji="1" lang="ja-JP" altLang="en-US" smtClean="0"/>
-              <a:t>2018/5/25</a:t>
+              <a:t>2018/5/26</a:t>
             </a:fld>
             <a:endParaRPr kumimoji="1" lang="ja-JP" altLang="en-US"/>
           </a:p>
@@ -5286,21 +5286,6 @@
             <a:r>
               <a:rPr lang="ja-JP" altLang="en-US" sz="1400"/>
               <a:t>と対応内容は以下の通り</a:t>
-            </a:r>
-            <a:br>
-              <a:rPr lang="en-US" altLang="ja-JP" sz="1400" dirty="0"/>
-            </a:br>
-            <a:r>
-              <a:rPr lang="ja-JP" altLang="en-US" sz="1400"/>
-              <a:t>基本的に問題や解決した内容は全て</a:t>
-            </a:r>
-            <a:r>
-              <a:rPr lang="en-US" altLang="ja-JP" sz="1400" dirty="0"/>
-              <a:t>slack</a:t>
-            </a:r>
-            <a:r>
-              <a:rPr lang="ja-JP" altLang="en-US" sz="1400"/>
-              <a:t>の個人チャネルに投稿し、メンターの方と共有</a:t>
             </a:r>
             <a:br>
               <a:rPr lang="en-US" altLang="ja-JP" sz="1400" dirty="0"/>
